--- a/Presentación.pptx
+++ b/Presentación.pptx
@@ -7,6 +7,7 @@
   <p:sldIdLst>
     <p:sldId id="256" r:id="rId2"/>
     <p:sldId id="257" r:id="rId3"/>
+    <p:sldId id="258" r:id="rId4"/>
   </p:sldIdLst>
   <p:sldSz cx="12192000" cy="6858000"/>
   <p:notesSz cx="6858000" cy="9144000"/>
@@ -105,6 +106,11 @@
       </a:defRPr>
     </a:lvl9pPr>
   </p:defaultTextStyle>
+  <p:extLst>
+    <p:ext uri="{EFAFB233-063F-42B5-8137-9DF3F51BA10A}">
+      <p15:sldGuideLst xmlns:p15="http://schemas.microsoft.com/office/powerpoint/2012/main"/>
+    </p:ext>
+  </p:extLst>
 </p:presentation>
 </file>
 
@@ -6130,7 +6136,10 @@
           <a:bodyPr/>
           <a:lstStyle/>
           <a:p>
-            <a:endParaRPr lang="es-ES"/>
+            <a:r>
+              <a:rPr lang="es-ES" dirty="0"/>
+              <a:t>Elección de tema</a:t>
+            </a:r>
           </a:p>
         </p:txBody>
       </p:sp>
@@ -6155,14 +6164,165 @@
           <a:bodyPr/>
           <a:lstStyle/>
           <a:p>
-            <a:endParaRPr lang="es-ES"/>
-          </a:p>
-        </p:txBody>
-      </p:sp>
+            <a:r>
+              <a:rPr lang="es-ES" dirty="0"/>
+              <a:t>Escogimos como ejemplo la empresas de transporte UBER</a:t>
+            </a:r>
+          </a:p>
+        </p:txBody>
+      </p:sp>
+      <p:pic>
+        <p:nvPicPr>
+          <p:cNvPr id="4" name="Imagen 3">
+            <a:extLst>
+              <a:ext uri="{FF2B5EF4-FFF2-40B4-BE49-F238E27FC236}">
+                <a16:creationId xmlns:a16="http://schemas.microsoft.com/office/drawing/2014/main" id="{C65EF252-63F0-4C09-8B6E-5A76D1CD15D0}"/>
+              </a:ext>
+            </a:extLst>
+          </p:cNvPr>
+          <p:cNvPicPr>
+            <a:picLocks noChangeAspect="1"/>
+          </p:cNvPicPr>
+          <p:nvPr/>
+        </p:nvPicPr>
+        <p:blipFill>
+          <a:blip r:embed="rId2"/>
+          <a:stretch>
+            <a:fillRect/>
+          </a:stretch>
+        </p:blipFill>
+        <p:spPr>
+          <a:xfrm>
+            <a:off x="2995051" y="2695575"/>
+            <a:ext cx="6191250" cy="3095625"/>
+          </a:xfrm>
+          <a:prstGeom prst="rect">
+            <a:avLst/>
+          </a:prstGeom>
+        </p:spPr>
+      </p:pic>
     </p:spTree>
     <p:extLst>
       <p:ext uri="{BB962C8B-B14F-4D97-AF65-F5344CB8AC3E}">
         <p14:creationId xmlns:p14="http://schemas.microsoft.com/office/powerpoint/2010/main" val="3575114691"/>
+      </p:ext>
+    </p:extLst>
+  </p:cSld>
+  <p:clrMapOvr>
+    <a:masterClrMapping/>
+  </p:clrMapOvr>
+</p:sld>
+</file>
+
+<file path=ppt/slides/slide3.xml><?xml version="1.0" encoding="utf-8"?>
+<p:sld xmlns:a="http://schemas.openxmlformats.org/drawingml/2006/main" xmlns:r="http://schemas.openxmlformats.org/officeDocument/2006/relationships" xmlns:p="http://schemas.openxmlformats.org/presentationml/2006/main">
+  <p:cSld>
+    <p:spTree>
+      <p:nvGrpSpPr>
+        <p:cNvPr id="1" name=""/>
+        <p:cNvGrpSpPr/>
+        <p:nvPr/>
+      </p:nvGrpSpPr>
+      <p:grpSpPr>
+        <a:xfrm>
+          <a:off x="0" y="0"/>
+          <a:ext cx="0" cy="0"/>
+          <a:chOff x="0" y="0"/>
+          <a:chExt cx="0" cy="0"/>
+        </a:xfrm>
+      </p:grpSpPr>
+      <p:sp>
+        <p:nvSpPr>
+          <p:cNvPr id="2" name="Título 1">
+            <a:extLst>
+              <a:ext uri="{FF2B5EF4-FFF2-40B4-BE49-F238E27FC236}">
+                <a16:creationId xmlns:a16="http://schemas.microsoft.com/office/drawing/2014/main" id="{A7EB874B-C37B-48E8-B732-4E1C1549FBA5}"/>
+              </a:ext>
+            </a:extLst>
+          </p:cNvPr>
+          <p:cNvSpPr>
+            <a:spLocks noGrp="1"/>
+          </p:cNvSpPr>
+          <p:nvPr>
+            <p:ph type="title"/>
+          </p:nvPr>
+        </p:nvSpPr>
+        <p:spPr/>
+        <p:txBody>
+          <a:bodyPr/>
+          <a:lstStyle/>
+          <a:p>
+            <a:r>
+              <a:rPr lang="es-ES" dirty="0"/>
+              <a:t>División y elección de activos</a:t>
+            </a:r>
+          </a:p>
+        </p:txBody>
+      </p:sp>
+      <p:pic>
+        <p:nvPicPr>
+          <p:cNvPr id="4" name="Imagen 3">
+            <a:extLst>
+              <a:ext uri="{FF2B5EF4-FFF2-40B4-BE49-F238E27FC236}">
+                <a16:creationId xmlns:a16="http://schemas.microsoft.com/office/drawing/2014/main" id="{F8BB7753-3022-4F7B-9FFF-12F532876200}"/>
+              </a:ext>
+            </a:extLst>
+          </p:cNvPr>
+          <p:cNvPicPr>
+            <a:picLocks noChangeAspect="1"/>
+          </p:cNvPicPr>
+          <p:nvPr/>
+        </p:nvPicPr>
+        <p:blipFill>
+          <a:blip r:embed="rId2"/>
+          <a:stretch>
+            <a:fillRect/>
+          </a:stretch>
+        </p:blipFill>
+        <p:spPr>
+          <a:xfrm>
+            <a:off x="758162" y="1458688"/>
+            <a:ext cx="2722156" cy="5120529"/>
+          </a:xfrm>
+          <a:prstGeom prst="rect">
+            <a:avLst/>
+          </a:prstGeom>
+        </p:spPr>
+      </p:pic>
+      <p:pic>
+        <p:nvPicPr>
+          <p:cNvPr id="5" name="Imagen 4">
+            <a:extLst>
+              <a:ext uri="{FF2B5EF4-FFF2-40B4-BE49-F238E27FC236}">
+                <a16:creationId xmlns:a16="http://schemas.microsoft.com/office/drawing/2014/main" id="{9AECD830-EF99-40E2-9669-7998653E5E11}"/>
+              </a:ext>
+            </a:extLst>
+          </p:cNvPr>
+          <p:cNvPicPr>
+            <a:picLocks noChangeAspect="1"/>
+          </p:cNvPicPr>
+          <p:nvPr/>
+        </p:nvPicPr>
+        <p:blipFill>
+          <a:blip r:embed="rId3"/>
+          <a:stretch>
+            <a:fillRect/>
+          </a:stretch>
+        </p:blipFill>
+        <p:spPr>
+          <a:xfrm>
+            <a:off x="4183808" y="1713626"/>
+            <a:ext cx="7447386" cy="4612530"/>
+          </a:xfrm>
+          <a:prstGeom prst="rect">
+            <a:avLst/>
+          </a:prstGeom>
+        </p:spPr>
+      </p:pic>
+    </p:spTree>
+    <p:extLst>
+      <p:ext uri="{BB962C8B-B14F-4D97-AF65-F5344CB8AC3E}">
+        <p14:creationId xmlns:p14="http://schemas.microsoft.com/office/powerpoint/2010/main" val="260352789"/>
       </p:ext>
     </p:extLst>
   </p:cSld>

--- a/Presentación.pptx
+++ b/Presentación.pptx
@@ -8,6 +8,14 @@
     <p:sldId id="256" r:id="rId2"/>
     <p:sldId id="257" r:id="rId3"/>
     <p:sldId id="258" r:id="rId4"/>
+    <p:sldId id="259" r:id="rId5"/>
+    <p:sldId id="260" r:id="rId6"/>
+    <p:sldId id="261" r:id="rId7"/>
+    <p:sldId id="262" r:id="rId8"/>
+    <p:sldId id="263" r:id="rId9"/>
+    <p:sldId id="264" r:id="rId10"/>
+    <p:sldId id="265" r:id="rId11"/>
+    <p:sldId id="266" r:id="rId12"/>
   </p:sldIdLst>
   <p:sldSz cx="12192000" cy="6858000"/>
   <p:notesSz cx="6858000" cy="9144000"/>
@@ -6070,16 +6078,25 @@
           </a:bodyPr>
           <a:lstStyle/>
           <a:p>
-            <a:pPr algn="l"/>
             <a:r>
               <a:rPr lang="es-ES" dirty="0"/>
-              <a:t>Práctica 01: Análisis de riesgos mediante la metodología</a:t>
+              <a:t>Práctica 01: </a:t>
             </a:r>
             <a:br>
               <a:rPr lang="es-ES" dirty="0"/>
             </a:br>
-            <a:r>
+            <a:br>
               <a:rPr lang="es-ES" dirty="0"/>
+            </a:br>
+            <a:r>
+              <a:rPr lang="es-ES" sz="4400" dirty="0"/>
+              <a:t>Análisis de riesgos mediante la metodología</a:t>
+            </a:r>
+            <a:br>
+              <a:rPr lang="es-ES" sz="4400" dirty="0"/>
+            </a:br>
+            <a:r>
+              <a:rPr lang="es-ES" sz="4400" dirty="0"/>
               <a:t>MAGERIT y planes de seguridad.</a:t>
             </a:r>
           </a:p>
@@ -6089,6 +6106,214 @@
     <p:extLst>
       <p:ext uri="{BB962C8B-B14F-4D97-AF65-F5344CB8AC3E}">
         <p14:creationId xmlns:p14="http://schemas.microsoft.com/office/powerpoint/2010/main" val="751427035"/>
+      </p:ext>
+    </p:extLst>
+  </p:cSld>
+  <p:clrMapOvr>
+    <a:masterClrMapping/>
+  </p:clrMapOvr>
+</p:sld>
+</file>
+
+<file path=ppt/slides/slide10.xml><?xml version="1.0" encoding="utf-8"?>
+<p:sld xmlns:a="http://schemas.openxmlformats.org/drawingml/2006/main" xmlns:r="http://schemas.openxmlformats.org/officeDocument/2006/relationships" xmlns:p="http://schemas.openxmlformats.org/presentationml/2006/main">
+  <p:cSld>
+    <p:spTree>
+      <p:nvGrpSpPr>
+        <p:cNvPr id="1" name=""/>
+        <p:cNvGrpSpPr/>
+        <p:nvPr/>
+      </p:nvGrpSpPr>
+      <p:grpSpPr>
+        <a:xfrm>
+          <a:off x="0" y="0"/>
+          <a:ext cx="0" cy="0"/>
+          <a:chOff x="0" y="0"/>
+          <a:chExt cx="0" cy="0"/>
+        </a:xfrm>
+      </p:grpSpPr>
+      <p:sp>
+        <p:nvSpPr>
+          <p:cNvPr id="2" name="Título 1">
+            <a:extLst>
+              <a:ext uri="{FF2B5EF4-FFF2-40B4-BE49-F238E27FC236}">
+                <a16:creationId xmlns:a16="http://schemas.microsoft.com/office/drawing/2014/main" id="{EA822577-C227-49F7-A21E-946B931A38F2}"/>
+              </a:ext>
+            </a:extLst>
+          </p:cNvPr>
+          <p:cNvSpPr>
+            <a:spLocks noGrp="1"/>
+          </p:cNvSpPr>
+          <p:nvPr>
+            <p:ph type="title"/>
+          </p:nvPr>
+        </p:nvSpPr>
+        <p:spPr/>
+        <p:txBody>
+          <a:bodyPr/>
+          <a:lstStyle/>
+          <a:p>
+            <a:r>
+              <a:rPr lang="es-ES" dirty="0"/>
+              <a:t>Valoración e identificación de las amenazas</a:t>
+            </a:r>
+          </a:p>
+        </p:txBody>
+      </p:sp>
+      <p:pic>
+        <p:nvPicPr>
+          <p:cNvPr id="4" name="Imagen 3">
+            <a:extLst>
+              <a:ext uri="{FF2B5EF4-FFF2-40B4-BE49-F238E27FC236}">
+                <a16:creationId xmlns:a16="http://schemas.microsoft.com/office/drawing/2014/main" id="{2EA15577-DBAB-4612-AF22-62D147101899}"/>
+              </a:ext>
+            </a:extLst>
+          </p:cNvPr>
+          <p:cNvPicPr>
+            <a:picLocks noChangeAspect="1"/>
+          </p:cNvPicPr>
+          <p:nvPr/>
+        </p:nvPicPr>
+        <p:blipFill>
+          <a:blip r:embed="rId2"/>
+          <a:stretch>
+            <a:fillRect/>
+          </a:stretch>
+        </p:blipFill>
+        <p:spPr>
+          <a:xfrm>
+            <a:off x="2076332" y="2004066"/>
+            <a:ext cx="3036094" cy="4244334"/>
+          </a:xfrm>
+          <a:prstGeom prst="rect">
+            <a:avLst/>
+          </a:prstGeom>
+        </p:spPr>
+      </p:pic>
+      <p:pic>
+        <p:nvPicPr>
+          <p:cNvPr id="5" name="Imagen 4">
+            <a:extLst>
+              <a:ext uri="{FF2B5EF4-FFF2-40B4-BE49-F238E27FC236}">
+                <a16:creationId xmlns:a16="http://schemas.microsoft.com/office/drawing/2014/main" id="{7C53C1E9-102E-40DB-823B-E108BDFE9FB1}"/>
+              </a:ext>
+            </a:extLst>
+          </p:cNvPr>
+          <p:cNvPicPr>
+            <a:picLocks noChangeAspect="1"/>
+          </p:cNvPicPr>
+          <p:nvPr/>
+        </p:nvPicPr>
+        <p:blipFill>
+          <a:blip r:embed="rId3"/>
+          <a:stretch>
+            <a:fillRect/>
+          </a:stretch>
+        </p:blipFill>
+        <p:spPr>
+          <a:xfrm>
+            <a:off x="7079575" y="2660750"/>
+            <a:ext cx="2986088" cy="2082934"/>
+          </a:xfrm>
+          <a:prstGeom prst="rect">
+            <a:avLst/>
+          </a:prstGeom>
+        </p:spPr>
+      </p:pic>
+    </p:spTree>
+    <p:extLst>
+      <p:ext uri="{BB962C8B-B14F-4D97-AF65-F5344CB8AC3E}">
+        <p14:creationId xmlns:p14="http://schemas.microsoft.com/office/powerpoint/2010/main" val="955379700"/>
+      </p:ext>
+    </p:extLst>
+  </p:cSld>
+  <p:clrMapOvr>
+    <a:masterClrMapping/>
+  </p:clrMapOvr>
+</p:sld>
+</file>
+
+<file path=ppt/slides/slide11.xml><?xml version="1.0" encoding="utf-8"?>
+<p:sld xmlns:a="http://schemas.openxmlformats.org/drawingml/2006/main" xmlns:r="http://schemas.openxmlformats.org/officeDocument/2006/relationships" xmlns:p="http://schemas.openxmlformats.org/presentationml/2006/main">
+  <p:cSld>
+    <p:spTree>
+      <p:nvGrpSpPr>
+        <p:cNvPr id="1" name=""/>
+        <p:cNvGrpSpPr/>
+        <p:nvPr/>
+      </p:nvGrpSpPr>
+      <p:grpSpPr>
+        <a:xfrm>
+          <a:off x="0" y="0"/>
+          <a:ext cx="0" cy="0"/>
+          <a:chOff x="0" y="0"/>
+          <a:chExt cx="0" cy="0"/>
+        </a:xfrm>
+      </p:grpSpPr>
+      <p:sp>
+        <p:nvSpPr>
+          <p:cNvPr id="2" name="Título 1">
+            <a:extLst>
+              <a:ext uri="{FF2B5EF4-FFF2-40B4-BE49-F238E27FC236}">
+                <a16:creationId xmlns:a16="http://schemas.microsoft.com/office/drawing/2014/main" id="{EA822577-C227-49F7-A21E-946B931A38F2}"/>
+              </a:ext>
+            </a:extLst>
+          </p:cNvPr>
+          <p:cNvSpPr>
+            <a:spLocks noGrp="1"/>
+          </p:cNvSpPr>
+          <p:nvPr>
+            <p:ph type="title"/>
+          </p:nvPr>
+        </p:nvSpPr>
+        <p:spPr/>
+        <p:txBody>
+          <a:bodyPr>
+            <a:normAutofit fontScale="90000"/>
+          </a:bodyPr>
+          <a:lstStyle/>
+          <a:p>
+            <a:r>
+              <a:rPr lang="es-ES" dirty="0"/>
+              <a:t>Impacto residual tras la aplicación de salvaguardas</a:t>
+            </a:r>
+          </a:p>
+        </p:txBody>
+      </p:sp>
+      <p:pic>
+        <p:nvPicPr>
+          <p:cNvPr id="3" name="Imagen 2">
+            <a:extLst>
+              <a:ext uri="{FF2B5EF4-FFF2-40B4-BE49-F238E27FC236}">
+                <a16:creationId xmlns:a16="http://schemas.microsoft.com/office/drawing/2014/main" id="{C0ACEFE4-5A6A-493F-82F9-A250CBC21DA5}"/>
+              </a:ext>
+            </a:extLst>
+          </p:cNvPr>
+          <p:cNvPicPr>
+            <a:picLocks noChangeAspect="1"/>
+          </p:cNvPicPr>
+          <p:nvPr/>
+        </p:nvPicPr>
+        <p:blipFill>
+          <a:blip r:embed="rId2"/>
+          <a:stretch>
+            <a:fillRect/>
+          </a:stretch>
+        </p:blipFill>
+        <p:spPr>
+          <a:xfrm>
+            <a:off x="2890810" y="1580050"/>
+            <a:ext cx="6399731" cy="5046724"/>
+          </a:xfrm>
+          <a:prstGeom prst="rect">
+            <a:avLst/>
+          </a:prstGeom>
+        </p:spPr>
+      </p:pic>
+    </p:spTree>
+    <p:extLst>
+      <p:ext uri="{BB962C8B-B14F-4D97-AF65-F5344CB8AC3E}">
+        <p14:creationId xmlns:p14="http://schemas.microsoft.com/office/powerpoint/2010/main" val="3066910976"/>
       </p:ext>
     </p:extLst>
   </p:cSld>
@@ -6323,6 +6548,714 @@
     <p:extLst>
       <p:ext uri="{BB962C8B-B14F-4D97-AF65-F5344CB8AC3E}">
         <p14:creationId xmlns:p14="http://schemas.microsoft.com/office/powerpoint/2010/main" val="260352789"/>
+      </p:ext>
+    </p:extLst>
+  </p:cSld>
+  <p:clrMapOvr>
+    <a:masterClrMapping/>
+  </p:clrMapOvr>
+</p:sld>
+</file>
+
+<file path=ppt/slides/slide4.xml><?xml version="1.0" encoding="utf-8"?>
+<p:sld xmlns:a="http://schemas.openxmlformats.org/drawingml/2006/main" xmlns:r="http://schemas.openxmlformats.org/officeDocument/2006/relationships" xmlns:p="http://schemas.openxmlformats.org/presentationml/2006/main">
+  <p:cSld>
+    <p:spTree>
+      <p:nvGrpSpPr>
+        <p:cNvPr id="1" name=""/>
+        <p:cNvGrpSpPr/>
+        <p:nvPr/>
+      </p:nvGrpSpPr>
+      <p:grpSpPr>
+        <a:xfrm>
+          <a:off x="0" y="0"/>
+          <a:ext cx="0" cy="0"/>
+          <a:chOff x="0" y="0"/>
+          <a:chExt cx="0" cy="0"/>
+        </a:xfrm>
+      </p:grpSpPr>
+      <p:sp>
+        <p:nvSpPr>
+          <p:cNvPr id="2" name="Título 1">
+            <a:extLst>
+              <a:ext uri="{FF2B5EF4-FFF2-40B4-BE49-F238E27FC236}">
+                <a16:creationId xmlns:a16="http://schemas.microsoft.com/office/drawing/2014/main" id="{B7F5432B-3015-4B31-B85E-CE861A811188}"/>
+              </a:ext>
+            </a:extLst>
+          </p:cNvPr>
+          <p:cNvSpPr>
+            <a:spLocks noGrp="1"/>
+          </p:cNvSpPr>
+          <p:nvPr>
+            <p:ph type="title"/>
+          </p:nvPr>
+        </p:nvSpPr>
+        <p:spPr/>
+        <p:txBody>
+          <a:bodyPr/>
+          <a:lstStyle/>
+          <a:p>
+            <a:r>
+              <a:rPr lang="es-ES" dirty="0"/>
+              <a:t>Valoraciones en PILAR</a:t>
+            </a:r>
+          </a:p>
+        </p:txBody>
+      </p:sp>
+      <p:pic>
+        <p:nvPicPr>
+          <p:cNvPr id="4" name="Imagen 3">
+            <a:extLst>
+              <a:ext uri="{FF2B5EF4-FFF2-40B4-BE49-F238E27FC236}">
+                <a16:creationId xmlns:a16="http://schemas.microsoft.com/office/drawing/2014/main" id="{08627266-3AB5-416D-B0D6-44CD4E043689}"/>
+              </a:ext>
+            </a:extLst>
+          </p:cNvPr>
+          <p:cNvPicPr>
+            <a:picLocks noChangeAspect="1"/>
+          </p:cNvPicPr>
+          <p:nvPr/>
+        </p:nvPicPr>
+        <p:blipFill>
+          <a:blip r:embed="rId2"/>
+          <a:stretch>
+            <a:fillRect/>
+          </a:stretch>
+        </p:blipFill>
+        <p:spPr>
+          <a:xfrm>
+            <a:off x="3316756" y="1444849"/>
+            <a:ext cx="5558488" cy="5326879"/>
+          </a:xfrm>
+          <a:prstGeom prst="rect">
+            <a:avLst/>
+          </a:prstGeom>
+        </p:spPr>
+      </p:pic>
+    </p:spTree>
+    <p:extLst>
+      <p:ext uri="{BB962C8B-B14F-4D97-AF65-F5344CB8AC3E}">
+        <p14:creationId xmlns:p14="http://schemas.microsoft.com/office/powerpoint/2010/main" val="2940295755"/>
+      </p:ext>
+    </p:extLst>
+  </p:cSld>
+  <p:clrMapOvr>
+    <a:masterClrMapping/>
+  </p:clrMapOvr>
+</p:sld>
+</file>
+
+<file path=ppt/slides/slide5.xml><?xml version="1.0" encoding="utf-8"?>
+<p:sld xmlns:a="http://schemas.openxmlformats.org/drawingml/2006/main" xmlns:r="http://schemas.openxmlformats.org/officeDocument/2006/relationships" xmlns:p="http://schemas.openxmlformats.org/presentationml/2006/main">
+  <p:cSld>
+    <p:spTree>
+      <p:nvGrpSpPr>
+        <p:cNvPr id="1" name=""/>
+        <p:cNvGrpSpPr/>
+        <p:nvPr/>
+      </p:nvGrpSpPr>
+      <p:grpSpPr>
+        <a:xfrm>
+          <a:off x="0" y="0"/>
+          <a:ext cx="0" cy="0"/>
+          <a:chOff x="0" y="0"/>
+          <a:chExt cx="0" cy="0"/>
+        </a:xfrm>
+      </p:grpSpPr>
+      <p:sp>
+        <p:nvSpPr>
+          <p:cNvPr id="2" name="Título 1">
+            <a:extLst>
+              <a:ext uri="{FF2B5EF4-FFF2-40B4-BE49-F238E27FC236}">
+                <a16:creationId xmlns:a16="http://schemas.microsoft.com/office/drawing/2014/main" id="{EA822577-C227-49F7-A21E-946B931A38F2}"/>
+              </a:ext>
+            </a:extLst>
+          </p:cNvPr>
+          <p:cNvSpPr>
+            <a:spLocks noGrp="1"/>
+          </p:cNvSpPr>
+          <p:nvPr>
+            <p:ph type="title"/>
+          </p:nvPr>
+        </p:nvSpPr>
+        <p:spPr/>
+        <p:txBody>
+          <a:bodyPr/>
+          <a:lstStyle/>
+          <a:p>
+            <a:r>
+              <a:rPr lang="es-ES" dirty="0"/>
+              <a:t>Valoración e identificación de las amenazas</a:t>
+            </a:r>
+          </a:p>
+        </p:txBody>
+      </p:sp>
+      <p:pic>
+        <p:nvPicPr>
+          <p:cNvPr id="5" name="Imagen 4">
+            <a:extLst>
+              <a:ext uri="{FF2B5EF4-FFF2-40B4-BE49-F238E27FC236}">
+                <a16:creationId xmlns:a16="http://schemas.microsoft.com/office/drawing/2014/main" id="{8B91F79B-D545-46CA-8E46-0E205F166278}"/>
+              </a:ext>
+            </a:extLst>
+          </p:cNvPr>
+          <p:cNvPicPr>
+            <a:picLocks noChangeAspect="1"/>
+          </p:cNvPicPr>
+          <p:nvPr/>
+        </p:nvPicPr>
+        <p:blipFill>
+          <a:blip r:embed="rId2"/>
+          <a:stretch>
+            <a:fillRect/>
+          </a:stretch>
+        </p:blipFill>
+        <p:spPr>
+          <a:xfrm>
+            <a:off x="298762" y="1704755"/>
+            <a:ext cx="3927857" cy="4822292"/>
+          </a:xfrm>
+          <a:prstGeom prst="rect">
+            <a:avLst/>
+          </a:prstGeom>
+        </p:spPr>
+      </p:pic>
+      <p:pic>
+        <p:nvPicPr>
+          <p:cNvPr id="6" name="Imagen 5">
+            <a:extLst>
+              <a:ext uri="{FF2B5EF4-FFF2-40B4-BE49-F238E27FC236}">
+                <a16:creationId xmlns:a16="http://schemas.microsoft.com/office/drawing/2014/main" id="{DF0DFA59-D515-4BDA-AA55-FFAB1366756C}"/>
+              </a:ext>
+            </a:extLst>
+          </p:cNvPr>
+          <p:cNvPicPr>
+            <a:picLocks noChangeAspect="1"/>
+          </p:cNvPicPr>
+          <p:nvPr/>
+        </p:nvPicPr>
+        <p:blipFill>
+          <a:blip r:embed="rId3"/>
+          <a:stretch>
+            <a:fillRect/>
+          </a:stretch>
+        </p:blipFill>
+        <p:spPr>
+          <a:xfrm>
+            <a:off x="3944635" y="2045322"/>
+            <a:ext cx="4423844" cy="1572593"/>
+          </a:xfrm>
+          <a:prstGeom prst="rect">
+            <a:avLst/>
+          </a:prstGeom>
+        </p:spPr>
+      </p:pic>
+      <p:pic>
+        <p:nvPicPr>
+          <p:cNvPr id="7" name="Imagen 6">
+            <a:extLst>
+              <a:ext uri="{FF2B5EF4-FFF2-40B4-BE49-F238E27FC236}">
+                <a16:creationId xmlns:a16="http://schemas.microsoft.com/office/drawing/2014/main" id="{501D80A6-66E6-49D8-A269-8BFEA1CB0745}"/>
+              </a:ext>
+            </a:extLst>
+          </p:cNvPr>
+          <p:cNvPicPr>
+            <a:picLocks noChangeAspect="1"/>
+          </p:cNvPicPr>
+          <p:nvPr/>
+        </p:nvPicPr>
+        <p:blipFill>
+          <a:blip r:embed="rId4"/>
+          <a:stretch>
+            <a:fillRect/>
+          </a:stretch>
+        </p:blipFill>
+        <p:spPr>
+          <a:xfrm>
+            <a:off x="8464238" y="1473064"/>
+            <a:ext cx="3429000" cy="4993334"/>
+          </a:xfrm>
+          <a:prstGeom prst="rect">
+            <a:avLst/>
+          </a:prstGeom>
+        </p:spPr>
+      </p:pic>
+    </p:spTree>
+    <p:extLst>
+      <p:ext uri="{BB962C8B-B14F-4D97-AF65-F5344CB8AC3E}">
+        <p14:creationId xmlns:p14="http://schemas.microsoft.com/office/powerpoint/2010/main" val="1067192203"/>
+      </p:ext>
+    </p:extLst>
+  </p:cSld>
+  <p:clrMapOvr>
+    <a:masterClrMapping/>
+  </p:clrMapOvr>
+</p:sld>
+</file>
+
+<file path=ppt/slides/slide6.xml><?xml version="1.0" encoding="utf-8"?>
+<p:sld xmlns:a="http://schemas.openxmlformats.org/drawingml/2006/main" xmlns:r="http://schemas.openxmlformats.org/officeDocument/2006/relationships" xmlns:p="http://schemas.openxmlformats.org/presentationml/2006/main">
+  <p:cSld>
+    <p:spTree>
+      <p:nvGrpSpPr>
+        <p:cNvPr id="1" name=""/>
+        <p:cNvGrpSpPr/>
+        <p:nvPr/>
+      </p:nvGrpSpPr>
+      <p:grpSpPr>
+        <a:xfrm>
+          <a:off x="0" y="0"/>
+          <a:ext cx="0" cy="0"/>
+          <a:chOff x="0" y="0"/>
+          <a:chExt cx="0" cy="0"/>
+        </a:xfrm>
+      </p:grpSpPr>
+      <p:sp>
+        <p:nvSpPr>
+          <p:cNvPr id="2" name="Título 1">
+            <a:extLst>
+              <a:ext uri="{FF2B5EF4-FFF2-40B4-BE49-F238E27FC236}">
+                <a16:creationId xmlns:a16="http://schemas.microsoft.com/office/drawing/2014/main" id="{EA822577-C227-49F7-A21E-946B931A38F2}"/>
+              </a:ext>
+            </a:extLst>
+          </p:cNvPr>
+          <p:cNvSpPr>
+            <a:spLocks noGrp="1"/>
+          </p:cNvSpPr>
+          <p:nvPr>
+            <p:ph type="title"/>
+          </p:nvPr>
+        </p:nvSpPr>
+        <p:spPr/>
+        <p:txBody>
+          <a:bodyPr/>
+          <a:lstStyle/>
+          <a:p>
+            <a:r>
+              <a:rPr lang="es-ES" dirty="0"/>
+              <a:t>Valoración e identificación de las amenazas</a:t>
+            </a:r>
+          </a:p>
+        </p:txBody>
+      </p:sp>
+      <p:pic>
+        <p:nvPicPr>
+          <p:cNvPr id="3" name="Imagen 2">
+            <a:extLst>
+              <a:ext uri="{FF2B5EF4-FFF2-40B4-BE49-F238E27FC236}">
+                <a16:creationId xmlns:a16="http://schemas.microsoft.com/office/drawing/2014/main" id="{92ADBEA6-47F4-4F5D-B9B4-E94BBD101547}"/>
+              </a:ext>
+            </a:extLst>
+          </p:cNvPr>
+          <p:cNvPicPr>
+            <a:picLocks noChangeAspect="1"/>
+          </p:cNvPicPr>
+          <p:nvPr/>
+        </p:nvPicPr>
+        <p:blipFill>
+          <a:blip r:embed="rId2"/>
+          <a:stretch>
+            <a:fillRect/>
+          </a:stretch>
+        </p:blipFill>
+        <p:spPr>
+          <a:xfrm>
+            <a:off x="924443" y="1380201"/>
+            <a:ext cx="3703768" cy="5348879"/>
+          </a:xfrm>
+          <a:prstGeom prst="rect">
+            <a:avLst/>
+          </a:prstGeom>
+        </p:spPr>
+      </p:pic>
+      <p:pic>
+        <p:nvPicPr>
+          <p:cNvPr id="4" name="Imagen 3">
+            <a:extLst>
+              <a:ext uri="{FF2B5EF4-FFF2-40B4-BE49-F238E27FC236}">
+                <a16:creationId xmlns:a16="http://schemas.microsoft.com/office/drawing/2014/main" id="{894640A8-ED92-4A47-A5C8-ED8D378D9972}"/>
+              </a:ext>
+            </a:extLst>
+          </p:cNvPr>
+          <p:cNvPicPr>
+            <a:picLocks noChangeAspect="1"/>
+          </p:cNvPicPr>
+          <p:nvPr/>
+        </p:nvPicPr>
+        <p:blipFill>
+          <a:blip r:embed="rId3"/>
+          <a:stretch>
+            <a:fillRect/>
+          </a:stretch>
+        </p:blipFill>
+        <p:spPr>
+          <a:xfrm>
+            <a:off x="6090676" y="1964052"/>
+            <a:ext cx="4343400" cy="3937601"/>
+          </a:xfrm>
+          <a:prstGeom prst="rect">
+            <a:avLst/>
+          </a:prstGeom>
+        </p:spPr>
+      </p:pic>
+    </p:spTree>
+    <p:extLst>
+      <p:ext uri="{BB962C8B-B14F-4D97-AF65-F5344CB8AC3E}">
+        <p14:creationId xmlns:p14="http://schemas.microsoft.com/office/powerpoint/2010/main" val="3361287731"/>
+      </p:ext>
+    </p:extLst>
+  </p:cSld>
+  <p:clrMapOvr>
+    <a:masterClrMapping/>
+  </p:clrMapOvr>
+</p:sld>
+</file>
+
+<file path=ppt/slides/slide7.xml><?xml version="1.0" encoding="utf-8"?>
+<p:sld xmlns:a="http://schemas.openxmlformats.org/drawingml/2006/main" xmlns:r="http://schemas.openxmlformats.org/officeDocument/2006/relationships" xmlns:p="http://schemas.openxmlformats.org/presentationml/2006/main">
+  <p:cSld>
+    <p:spTree>
+      <p:nvGrpSpPr>
+        <p:cNvPr id="1" name=""/>
+        <p:cNvGrpSpPr/>
+        <p:nvPr/>
+      </p:nvGrpSpPr>
+      <p:grpSpPr>
+        <a:xfrm>
+          <a:off x="0" y="0"/>
+          <a:ext cx="0" cy="0"/>
+          <a:chOff x="0" y="0"/>
+          <a:chExt cx="0" cy="0"/>
+        </a:xfrm>
+      </p:grpSpPr>
+      <p:sp>
+        <p:nvSpPr>
+          <p:cNvPr id="2" name="Título 1">
+            <a:extLst>
+              <a:ext uri="{FF2B5EF4-FFF2-40B4-BE49-F238E27FC236}">
+                <a16:creationId xmlns:a16="http://schemas.microsoft.com/office/drawing/2014/main" id="{EA822577-C227-49F7-A21E-946B931A38F2}"/>
+              </a:ext>
+            </a:extLst>
+          </p:cNvPr>
+          <p:cNvSpPr>
+            <a:spLocks noGrp="1"/>
+          </p:cNvSpPr>
+          <p:nvPr>
+            <p:ph type="title"/>
+          </p:nvPr>
+        </p:nvSpPr>
+        <p:spPr/>
+        <p:txBody>
+          <a:bodyPr/>
+          <a:lstStyle/>
+          <a:p>
+            <a:r>
+              <a:rPr lang="es-ES" dirty="0"/>
+              <a:t>Valoración e identificación de las amenazas</a:t>
+            </a:r>
+          </a:p>
+        </p:txBody>
+      </p:sp>
+      <p:pic>
+        <p:nvPicPr>
+          <p:cNvPr id="5" name="Imagen 4">
+            <a:extLst>
+              <a:ext uri="{FF2B5EF4-FFF2-40B4-BE49-F238E27FC236}">
+                <a16:creationId xmlns:a16="http://schemas.microsoft.com/office/drawing/2014/main" id="{0FED7D49-3709-486E-9125-08D0B0D9CAD0}"/>
+              </a:ext>
+            </a:extLst>
+          </p:cNvPr>
+          <p:cNvPicPr>
+            <a:picLocks noChangeAspect="1"/>
+          </p:cNvPicPr>
+          <p:nvPr/>
+        </p:nvPicPr>
+        <p:blipFill>
+          <a:blip r:embed="rId2"/>
+          <a:stretch>
+            <a:fillRect/>
+          </a:stretch>
+        </p:blipFill>
+        <p:spPr>
+          <a:xfrm>
+            <a:off x="591559" y="2187879"/>
+            <a:ext cx="4346825" cy="3920068"/>
+          </a:xfrm>
+          <a:prstGeom prst="rect">
+            <a:avLst/>
+          </a:prstGeom>
+        </p:spPr>
+      </p:pic>
+      <p:pic>
+        <p:nvPicPr>
+          <p:cNvPr id="6" name="Imagen 5">
+            <a:extLst>
+              <a:ext uri="{FF2B5EF4-FFF2-40B4-BE49-F238E27FC236}">
+                <a16:creationId xmlns:a16="http://schemas.microsoft.com/office/drawing/2014/main" id="{9BF697EB-F52A-4954-812E-4F68C0CA1343}"/>
+              </a:ext>
+            </a:extLst>
+          </p:cNvPr>
+          <p:cNvPicPr>
+            <a:picLocks noChangeAspect="1"/>
+          </p:cNvPicPr>
+          <p:nvPr/>
+        </p:nvPicPr>
+        <p:blipFill>
+          <a:blip r:embed="rId3"/>
+          <a:stretch>
+            <a:fillRect/>
+          </a:stretch>
+        </p:blipFill>
+        <p:spPr>
+          <a:xfrm>
+            <a:off x="6090676" y="1711599"/>
+            <a:ext cx="4286250" cy="4536801"/>
+          </a:xfrm>
+          <a:prstGeom prst="rect">
+            <a:avLst/>
+          </a:prstGeom>
+        </p:spPr>
+      </p:pic>
+    </p:spTree>
+    <p:extLst>
+      <p:ext uri="{BB962C8B-B14F-4D97-AF65-F5344CB8AC3E}">
+        <p14:creationId xmlns:p14="http://schemas.microsoft.com/office/powerpoint/2010/main" val="471875083"/>
+      </p:ext>
+    </p:extLst>
+  </p:cSld>
+  <p:clrMapOvr>
+    <a:masterClrMapping/>
+  </p:clrMapOvr>
+</p:sld>
+</file>
+
+<file path=ppt/slides/slide8.xml><?xml version="1.0" encoding="utf-8"?>
+<p:sld xmlns:a="http://schemas.openxmlformats.org/drawingml/2006/main" xmlns:r="http://schemas.openxmlformats.org/officeDocument/2006/relationships" xmlns:p="http://schemas.openxmlformats.org/presentationml/2006/main">
+  <p:cSld>
+    <p:spTree>
+      <p:nvGrpSpPr>
+        <p:cNvPr id="1" name=""/>
+        <p:cNvGrpSpPr/>
+        <p:nvPr/>
+      </p:nvGrpSpPr>
+      <p:grpSpPr>
+        <a:xfrm>
+          <a:off x="0" y="0"/>
+          <a:ext cx="0" cy="0"/>
+          <a:chOff x="0" y="0"/>
+          <a:chExt cx="0" cy="0"/>
+        </a:xfrm>
+      </p:grpSpPr>
+      <p:sp>
+        <p:nvSpPr>
+          <p:cNvPr id="2" name="Título 1">
+            <a:extLst>
+              <a:ext uri="{FF2B5EF4-FFF2-40B4-BE49-F238E27FC236}">
+                <a16:creationId xmlns:a16="http://schemas.microsoft.com/office/drawing/2014/main" id="{EA822577-C227-49F7-A21E-946B931A38F2}"/>
+              </a:ext>
+            </a:extLst>
+          </p:cNvPr>
+          <p:cNvSpPr>
+            <a:spLocks noGrp="1"/>
+          </p:cNvSpPr>
+          <p:nvPr>
+            <p:ph type="title"/>
+          </p:nvPr>
+        </p:nvSpPr>
+        <p:spPr/>
+        <p:txBody>
+          <a:bodyPr/>
+          <a:lstStyle/>
+          <a:p>
+            <a:r>
+              <a:rPr lang="es-ES" dirty="0"/>
+              <a:t>Valoración e identificación de las amenazas</a:t>
+            </a:r>
+          </a:p>
+        </p:txBody>
+      </p:sp>
+      <p:pic>
+        <p:nvPicPr>
+          <p:cNvPr id="3" name="Imagen 2">
+            <a:extLst>
+              <a:ext uri="{FF2B5EF4-FFF2-40B4-BE49-F238E27FC236}">
+                <a16:creationId xmlns:a16="http://schemas.microsoft.com/office/drawing/2014/main" id="{39C12A2F-BD08-40AA-9DE8-DCFD7AC53869}"/>
+              </a:ext>
+            </a:extLst>
+          </p:cNvPr>
+          <p:cNvPicPr>
+            <a:picLocks noChangeAspect="1"/>
+          </p:cNvPicPr>
+          <p:nvPr/>
+        </p:nvPicPr>
+        <p:blipFill>
+          <a:blip r:embed="rId2"/>
+          <a:stretch>
+            <a:fillRect/>
+          </a:stretch>
+        </p:blipFill>
+        <p:spPr>
+          <a:xfrm>
+            <a:off x="696492" y="2065242"/>
+            <a:ext cx="4286250" cy="3909067"/>
+          </a:xfrm>
+          <a:prstGeom prst="rect">
+            <a:avLst/>
+          </a:prstGeom>
+        </p:spPr>
+      </p:pic>
+      <p:pic>
+        <p:nvPicPr>
+          <p:cNvPr id="4" name="Imagen 3">
+            <a:extLst>
+              <a:ext uri="{FF2B5EF4-FFF2-40B4-BE49-F238E27FC236}">
+                <a16:creationId xmlns:a16="http://schemas.microsoft.com/office/drawing/2014/main" id="{0AF234C3-7139-4A7C-ABCC-8B3B5AC7A75C}"/>
+              </a:ext>
+            </a:extLst>
+          </p:cNvPr>
+          <p:cNvPicPr>
+            <a:picLocks noChangeAspect="1"/>
+          </p:cNvPicPr>
+          <p:nvPr/>
+        </p:nvPicPr>
+        <p:blipFill>
+          <a:blip r:embed="rId3"/>
+          <a:stretch>
+            <a:fillRect/>
+          </a:stretch>
+        </p:blipFill>
+        <p:spPr>
+          <a:xfrm>
+            <a:off x="6090676" y="1434306"/>
+            <a:ext cx="4286250" cy="5314334"/>
+          </a:xfrm>
+          <a:prstGeom prst="rect">
+            <a:avLst/>
+          </a:prstGeom>
+        </p:spPr>
+      </p:pic>
+    </p:spTree>
+    <p:extLst>
+      <p:ext uri="{BB962C8B-B14F-4D97-AF65-F5344CB8AC3E}">
+        <p14:creationId xmlns:p14="http://schemas.microsoft.com/office/powerpoint/2010/main" val="650599919"/>
+      </p:ext>
+    </p:extLst>
+  </p:cSld>
+  <p:clrMapOvr>
+    <a:masterClrMapping/>
+  </p:clrMapOvr>
+</p:sld>
+</file>
+
+<file path=ppt/slides/slide9.xml><?xml version="1.0" encoding="utf-8"?>
+<p:sld xmlns:a="http://schemas.openxmlformats.org/drawingml/2006/main" xmlns:r="http://schemas.openxmlformats.org/officeDocument/2006/relationships" xmlns:p="http://schemas.openxmlformats.org/presentationml/2006/main">
+  <p:cSld>
+    <p:spTree>
+      <p:nvGrpSpPr>
+        <p:cNvPr id="1" name=""/>
+        <p:cNvGrpSpPr/>
+        <p:nvPr/>
+      </p:nvGrpSpPr>
+      <p:grpSpPr>
+        <a:xfrm>
+          <a:off x="0" y="0"/>
+          <a:ext cx="0" cy="0"/>
+          <a:chOff x="0" y="0"/>
+          <a:chExt cx="0" cy="0"/>
+        </a:xfrm>
+      </p:grpSpPr>
+      <p:sp>
+        <p:nvSpPr>
+          <p:cNvPr id="2" name="Título 1">
+            <a:extLst>
+              <a:ext uri="{FF2B5EF4-FFF2-40B4-BE49-F238E27FC236}">
+                <a16:creationId xmlns:a16="http://schemas.microsoft.com/office/drawing/2014/main" id="{EA822577-C227-49F7-A21E-946B931A38F2}"/>
+              </a:ext>
+            </a:extLst>
+          </p:cNvPr>
+          <p:cNvSpPr>
+            <a:spLocks noGrp="1"/>
+          </p:cNvSpPr>
+          <p:nvPr>
+            <p:ph type="title"/>
+          </p:nvPr>
+        </p:nvSpPr>
+        <p:spPr/>
+        <p:txBody>
+          <a:bodyPr/>
+          <a:lstStyle/>
+          <a:p>
+            <a:r>
+              <a:rPr lang="es-ES" dirty="0"/>
+              <a:t>Valoración e identificación de las amenazas</a:t>
+            </a:r>
+          </a:p>
+        </p:txBody>
+      </p:sp>
+      <p:pic>
+        <p:nvPicPr>
+          <p:cNvPr id="6" name="Imagen 5">
+            <a:extLst>
+              <a:ext uri="{FF2B5EF4-FFF2-40B4-BE49-F238E27FC236}">
+                <a16:creationId xmlns:a16="http://schemas.microsoft.com/office/drawing/2014/main" id="{34E3BD9C-0620-42A7-BB12-BA6BE3023EE0}"/>
+              </a:ext>
+            </a:extLst>
+          </p:cNvPr>
+          <p:cNvPicPr>
+            <a:picLocks noChangeAspect="1"/>
+          </p:cNvPicPr>
+          <p:nvPr/>
+        </p:nvPicPr>
+        <p:blipFill>
+          <a:blip r:embed="rId2"/>
+          <a:stretch>
+            <a:fillRect/>
+          </a:stretch>
+        </p:blipFill>
+        <p:spPr>
+          <a:xfrm>
+            <a:off x="913795" y="1945329"/>
+            <a:ext cx="3857625" cy="3452534"/>
+          </a:xfrm>
+          <a:prstGeom prst="rect">
+            <a:avLst/>
+          </a:prstGeom>
+        </p:spPr>
+      </p:pic>
+      <p:pic>
+        <p:nvPicPr>
+          <p:cNvPr id="7" name="Imagen 6">
+            <a:extLst>
+              <a:ext uri="{FF2B5EF4-FFF2-40B4-BE49-F238E27FC236}">
+                <a16:creationId xmlns:a16="http://schemas.microsoft.com/office/drawing/2014/main" id="{BC27928A-4CAC-473E-A159-DC7A65006B8D}"/>
+              </a:ext>
+            </a:extLst>
+          </p:cNvPr>
+          <p:cNvPicPr>
+            <a:picLocks noChangeAspect="1"/>
+          </p:cNvPicPr>
+          <p:nvPr/>
+        </p:nvPicPr>
+        <p:blipFill>
+          <a:blip r:embed="rId3"/>
+          <a:stretch>
+            <a:fillRect/>
+          </a:stretch>
+        </p:blipFill>
+        <p:spPr>
+          <a:xfrm>
+            <a:off x="6090676" y="1469468"/>
+            <a:ext cx="4543425" cy="5264401"/>
+          </a:xfrm>
+          <a:prstGeom prst="rect">
+            <a:avLst/>
+          </a:prstGeom>
+        </p:spPr>
+      </p:pic>
+    </p:spTree>
+    <p:extLst>
+      <p:ext uri="{BB962C8B-B14F-4D97-AF65-F5344CB8AC3E}">
+        <p14:creationId xmlns:p14="http://schemas.microsoft.com/office/powerpoint/2010/main" val="2194815234"/>
       </p:ext>
     </p:extLst>
   </p:cSld>
